--- a/项目答辩/项目答辩.pptx
+++ b/项目答辩/项目答辩.pptx
@@ -5,10 +5,10 @@
     <p:sldMasterId id="2147483677" r:id="rId1"/>
   </p:sldMasterIdLst>
   <p:sldIdLst>
-    <p:sldId id="261" r:id="rId2"/>
-    <p:sldId id="262" r:id="rId3"/>
-    <p:sldId id="263" r:id="rId4"/>
-    <p:sldId id="264" r:id="rId5"/>
+    <p:sldId id="266" r:id="rId2"/>
+    <p:sldId id="261" r:id="rId3"/>
+    <p:sldId id="264" r:id="rId4"/>
+    <p:sldId id="263" r:id="rId5"/>
     <p:sldId id="265" r:id="rId6"/>
   </p:sldIdLst>
   <p:sldSz cx="12192000" cy="6858000"/>
@@ -108,6 +108,11 @@
       </a:defRPr>
     </a:lvl9pPr>
   </p:defaultTextStyle>
+  <p:extLst>
+    <p:ext uri="{EFAFB233-063F-42B5-8137-9DF3F51BA10A}">
+      <p15:sldGuideLst xmlns:p15="http://schemas.microsoft.com/office/powerpoint/2012/main"/>
+    </p:ext>
+  </p:extLst>
 </p:presentation>
 </file>
 
@@ -5840,10 +5845,10 @@
       </p:grpSpPr>
       <p:sp>
         <p:nvSpPr>
-          <p:cNvPr id="2" name="标题 1">
+          <p:cNvPr id="6" name="标题 5">
             <a:extLst>
               <a:ext uri="{FF2B5EF4-FFF2-40B4-BE49-F238E27FC236}">
-                <a16:creationId xmlns:a16="http://schemas.microsoft.com/office/drawing/2014/main" id="{B2E78809-E9DF-48E2-A705-A3F4DEFD971A}"/>
+                <a16:creationId xmlns:a16="http://schemas.microsoft.com/office/drawing/2014/main" id="{ACDB94C4-BC48-44E5-9614-8FB11AE8DC29}"/>
               </a:ext>
             </a:extLst>
           </p:cNvPr>
@@ -5851,95 +5856,67 @@
             <a:spLocks noGrp="1"/>
           </p:cNvSpPr>
           <p:nvPr>
-            <p:ph type="title"/>
-          </p:nvPr>
-        </p:nvSpPr>
-        <p:spPr>
-          <a:xfrm>
-            <a:off x="677334" y="609600"/>
-            <a:ext cx="8596668" cy="676275"/>
-          </a:xfrm>
-        </p:spPr>
+            <p:ph type="ctrTitle"/>
+          </p:nvPr>
+        </p:nvSpPr>
+        <p:spPr/>
         <p:txBody>
           <a:bodyPr/>
           <a:lstStyle/>
           <a:p>
-            <a:r>
-              <a:rPr lang="en-US" altLang="zh-CN" b="1" dirty="0">
+            <a:pPr algn="ctr"/>
+            <a:r>
+              <a:rPr lang="en-US" altLang="zh-CN" dirty="0">
                 <a:latin typeface="仿宋" panose="02010609060101010101" pitchFamily="49" charset="-122"/>
                 <a:ea typeface="仿宋" panose="02010609060101010101" pitchFamily="49" charset="-122"/>
               </a:rPr>
-              <a:t>《</a:t>
-            </a:r>
-            <a:r>
-              <a:rPr lang="zh-CN" altLang="en-US" b="1" dirty="0">
+              <a:t>32</a:t>
+            </a:r>
+            <a:r>
+              <a:rPr lang="zh-CN" altLang="en-US" dirty="0">
                 <a:latin typeface="仿宋" panose="02010609060101010101" pitchFamily="49" charset="-122"/>
                 <a:ea typeface="仿宋" panose="02010609060101010101" pitchFamily="49" charset="-122"/>
               </a:rPr>
-              <a:t>幸运房东</a:t>
-            </a:r>
-            <a:r>
-              <a:rPr lang="en-US" altLang="zh-CN" b="1" dirty="0">
+              <a:t>组项目答辩</a:t>
+            </a:r>
+          </a:p>
+        </p:txBody>
+      </p:sp>
+      <p:sp>
+        <p:nvSpPr>
+          <p:cNvPr id="7" name="副标题 6">
+            <a:extLst>
+              <a:ext uri="{FF2B5EF4-FFF2-40B4-BE49-F238E27FC236}">
+                <a16:creationId xmlns:a16="http://schemas.microsoft.com/office/drawing/2014/main" id="{1C832327-0F61-4431-90A2-8C95B0E332F6}"/>
+              </a:ext>
+            </a:extLst>
+          </p:cNvPr>
+          <p:cNvSpPr>
+            <a:spLocks noGrp="1"/>
+          </p:cNvSpPr>
+          <p:nvPr>
+            <p:ph type="subTitle" idx="1"/>
+          </p:nvPr>
+        </p:nvSpPr>
+        <p:spPr/>
+        <p:txBody>
+          <a:bodyPr/>
+          <a:lstStyle/>
+          <a:p>
+            <a:r>
+              <a:rPr lang="zh-CN" altLang="en-US" dirty="0">
                 <a:latin typeface="仿宋" panose="02010609060101010101" pitchFamily="49" charset="-122"/>
                 <a:ea typeface="仿宋" panose="02010609060101010101" pitchFamily="49" charset="-122"/>
               </a:rPr>
-              <a:t>——</a:t>
-            </a:r>
-            <a:r>
-              <a:rPr lang="zh-CN" altLang="en-US" b="1" dirty="0">
-                <a:latin typeface="仿宋" panose="02010609060101010101" pitchFamily="49" charset="-122"/>
-                <a:ea typeface="仿宋" panose="02010609060101010101" pitchFamily="49" charset="-122"/>
-              </a:rPr>
-              <a:t>功能介绍</a:t>
-            </a:r>
-            <a:r>
-              <a:rPr lang="en-US" altLang="zh-CN" b="1" dirty="0">
-                <a:latin typeface="仿宋" panose="02010609060101010101" pitchFamily="49" charset="-122"/>
-                <a:ea typeface="仿宋" panose="02010609060101010101" pitchFamily="49" charset="-122"/>
-              </a:rPr>
-              <a:t>》</a:t>
-            </a:r>
-            <a:endParaRPr lang="zh-CN" altLang="en-US" b="1" dirty="0">
-              <a:latin typeface="仿宋" panose="02010609060101010101" pitchFamily="49" charset="-122"/>
-              <a:ea typeface="仿宋" panose="02010609060101010101" pitchFamily="49" charset="-122"/>
-            </a:endParaRPr>
-          </a:p>
-        </p:txBody>
-      </p:sp>
-      <p:sp>
-        <p:nvSpPr>
-          <p:cNvPr id="3" name="内容占位符 2">
-            <a:extLst>
-              <a:ext uri="{FF2B5EF4-FFF2-40B4-BE49-F238E27FC236}">
-                <a16:creationId xmlns:a16="http://schemas.microsoft.com/office/drawing/2014/main" id="{05F8FF89-15B7-440A-B399-78977FBA0C5C}"/>
-              </a:ext>
-            </a:extLst>
-          </p:cNvPr>
-          <p:cNvSpPr>
-            <a:spLocks noGrp="1"/>
-          </p:cNvSpPr>
-          <p:nvPr>
-            <p:ph idx="1"/>
-          </p:nvPr>
-        </p:nvSpPr>
-        <p:spPr>
-          <a:xfrm>
-            <a:off x="677334" y="1285875"/>
-            <a:ext cx="8596668" cy="4755487"/>
-          </a:xfrm>
-        </p:spPr>
-        <p:txBody>
-          <a:bodyPr/>
-          <a:lstStyle/>
-          <a:p>
-            <a:endParaRPr lang="zh-CN" altLang="en-US" dirty="0"/>
+              <a:t>王旻安、吴思赣</a:t>
+            </a:r>
           </a:p>
         </p:txBody>
       </p:sp>
     </p:spTree>
     <p:extLst>
       <p:ext uri="{BB962C8B-B14F-4D97-AF65-F5344CB8AC3E}">
-        <p14:creationId xmlns:p14="http://schemas.microsoft.com/office/powerpoint/2010/main" val="4056309752"/>
+        <p14:creationId xmlns:p14="http://schemas.microsoft.com/office/powerpoint/2010/main" val="2215712831"/>
       </p:ext>
     </p:extLst>
   </p:cSld>
@@ -6018,7 +5995,7 @@
                 <a:latin typeface="仿宋" panose="02010609060101010101" pitchFamily="49" charset="-122"/>
                 <a:ea typeface="仿宋" panose="02010609060101010101" pitchFamily="49" charset="-122"/>
               </a:rPr>
-              <a:t>技术介绍</a:t>
+              <a:t>功能介绍</a:t>
             </a:r>
             <a:r>
               <a:rPr lang="en-US" altLang="zh-CN" b="1" dirty="0">
@@ -6034,46 +6011,433 @@
           </a:p>
         </p:txBody>
       </p:sp>
-      <p:sp>
-        <p:nvSpPr>
-          <p:cNvPr id="3" name="内容占位符 2">
+      <p:pic>
+        <p:nvPicPr>
+          <p:cNvPr id="5" name="图片 4">
             <a:extLst>
               <a:ext uri="{FF2B5EF4-FFF2-40B4-BE49-F238E27FC236}">
-                <a16:creationId xmlns:a16="http://schemas.microsoft.com/office/drawing/2014/main" id="{05F8FF89-15B7-440A-B399-78977FBA0C5C}"/>
+                <a16:creationId xmlns:a16="http://schemas.microsoft.com/office/drawing/2014/main" id="{7A21CE41-6488-49E6-BCE0-C2C76C3E29A9}"/>
               </a:ext>
             </a:extLst>
           </p:cNvPr>
-          <p:cNvSpPr>
-            <a:spLocks noGrp="1"/>
-          </p:cNvSpPr>
-          <p:nvPr>
-            <p:ph idx="1"/>
-          </p:nvPr>
-        </p:nvSpPr>
+          <p:cNvPicPr>
+            <a:picLocks noChangeAspect="1"/>
+          </p:cNvPicPr>
+          <p:nvPr/>
+        </p:nvPicPr>
+        <p:blipFill>
+          <a:blip r:embed="rId2"/>
+          <a:stretch>
+            <a:fillRect/>
+          </a:stretch>
+        </p:blipFill>
         <p:spPr>
           <a:xfrm>
-            <a:off x="677334" y="1285875"/>
-            <a:ext cx="8596668" cy="4755487"/>
+            <a:off x="199604" y="1495425"/>
+            <a:ext cx="4509187" cy="2532218"/>
           </a:xfrm>
+          <a:prstGeom prst="rect">
+            <a:avLst/>
+          </a:prstGeom>
         </p:spPr>
-        <p:txBody>
-          <a:bodyPr/>
-          <a:lstStyle/>
-          <a:p>
-            <a:endParaRPr lang="zh-CN" altLang="en-US" dirty="0"/>
-          </a:p>
-        </p:txBody>
-      </p:sp>
+      </p:pic>
+      <p:pic>
+        <p:nvPicPr>
+          <p:cNvPr id="7" name="图片 6">
+            <a:extLst>
+              <a:ext uri="{FF2B5EF4-FFF2-40B4-BE49-F238E27FC236}">
+                <a16:creationId xmlns:a16="http://schemas.microsoft.com/office/drawing/2014/main" id="{D17A79BA-5219-4A56-97C8-838916ABC774}"/>
+              </a:ext>
+            </a:extLst>
+          </p:cNvPr>
+          <p:cNvPicPr>
+            <a:picLocks noChangeAspect="1"/>
+          </p:cNvPicPr>
+          <p:nvPr/>
+        </p:nvPicPr>
+        <p:blipFill>
+          <a:blip r:embed="rId3"/>
+          <a:stretch>
+            <a:fillRect/>
+          </a:stretch>
+        </p:blipFill>
+        <p:spPr>
+          <a:xfrm>
+            <a:off x="2117004" y="2088686"/>
+            <a:ext cx="5380137" cy="3026860"/>
+          </a:xfrm>
+          <a:prstGeom prst="rect">
+            <a:avLst/>
+          </a:prstGeom>
+        </p:spPr>
+      </p:pic>
+      <p:pic>
+        <p:nvPicPr>
+          <p:cNvPr id="9" name="图片 8">
+            <a:extLst>
+              <a:ext uri="{FF2B5EF4-FFF2-40B4-BE49-F238E27FC236}">
+                <a16:creationId xmlns:a16="http://schemas.microsoft.com/office/drawing/2014/main" id="{21B10D46-92E5-4A07-A4A7-3FF221CE6E95}"/>
+              </a:ext>
+            </a:extLst>
+          </p:cNvPr>
+          <p:cNvPicPr>
+            <a:picLocks noChangeAspect="1"/>
+          </p:cNvPicPr>
+          <p:nvPr/>
+        </p:nvPicPr>
+        <p:blipFill>
+          <a:blip r:embed="rId4"/>
+          <a:stretch>
+            <a:fillRect/>
+          </a:stretch>
+        </p:blipFill>
+        <p:spPr>
+          <a:xfrm>
+            <a:off x="4905354" y="3526570"/>
+            <a:ext cx="5380138" cy="3177952"/>
+          </a:xfrm>
+          <a:prstGeom prst="rect">
+            <a:avLst/>
+          </a:prstGeom>
+        </p:spPr>
+      </p:pic>
     </p:spTree>
     <p:extLst>
       <p:ext uri="{BB962C8B-B14F-4D97-AF65-F5344CB8AC3E}">
-        <p14:creationId xmlns:p14="http://schemas.microsoft.com/office/powerpoint/2010/main" val="1308521589"/>
+        <p14:creationId xmlns:p14="http://schemas.microsoft.com/office/powerpoint/2010/main" val="4056309752"/>
       </p:ext>
     </p:extLst>
   </p:cSld>
   <p:clrMapOvr>
     <a:masterClrMapping/>
   </p:clrMapOvr>
+  <p:timing>
+    <p:tnLst>
+      <p:par>
+        <p:cTn id="1" dur="indefinite" restart="never" nodeType="tmRoot">
+          <p:childTnLst>
+            <p:seq concurrent="1" nextAc="seek">
+              <p:cTn id="2" dur="indefinite" nodeType="mainSeq">
+                <p:childTnLst>
+                  <p:par>
+                    <p:cTn id="3" fill="hold">
+                      <p:stCondLst>
+                        <p:cond delay="indefinite"/>
+                      </p:stCondLst>
+                      <p:childTnLst>
+                        <p:par>
+                          <p:cTn id="4" fill="hold">
+                            <p:stCondLst>
+                              <p:cond delay="0"/>
+                            </p:stCondLst>
+                            <p:childTnLst>
+                              <p:par>
+                                <p:cTn id="5" presetID="42" presetClass="entr" presetSubtype="0" fill="hold" nodeType="clickEffect">
+                                  <p:stCondLst>
+                                    <p:cond delay="0"/>
+                                  </p:stCondLst>
+                                  <p:childTnLst>
+                                    <p:set>
+                                      <p:cBhvr>
+                                        <p:cTn id="6" dur="1" fill="hold">
+                                          <p:stCondLst>
+                                            <p:cond delay="0"/>
+                                          </p:stCondLst>
+                                        </p:cTn>
+                                        <p:tgtEl>
+                                          <p:spTgt spid="5"/>
+                                        </p:tgtEl>
+                                        <p:attrNameLst>
+                                          <p:attrName>style.visibility</p:attrName>
+                                        </p:attrNameLst>
+                                      </p:cBhvr>
+                                      <p:to>
+                                        <p:strVal val="visible"/>
+                                      </p:to>
+                                    </p:set>
+                                    <p:animEffect transition="in" filter="fade">
+                                      <p:cBhvr>
+                                        <p:cTn id="7" dur="1000"/>
+                                        <p:tgtEl>
+                                          <p:spTgt spid="5"/>
+                                        </p:tgtEl>
+                                      </p:cBhvr>
+                                    </p:animEffect>
+                                    <p:anim calcmode="lin" valueType="num">
+                                      <p:cBhvr>
+                                        <p:cTn id="8" dur="1000" fill="hold"/>
+                                        <p:tgtEl>
+                                          <p:spTgt spid="5"/>
+                                        </p:tgtEl>
+                                        <p:attrNameLst>
+                                          <p:attrName>ppt_x</p:attrName>
+                                        </p:attrNameLst>
+                                      </p:cBhvr>
+                                      <p:tavLst>
+                                        <p:tav tm="0">
+                                          <p:val>
+                                            <p:strVal val="#ppt_x"/>
+                                          </p:val>
+                                        </p:tav>
+                                        <p:tav tm="100000">
+                                          <p:val>
+                                            <p:strVal val="#ppt_x"/>
+                                          </p:val>
+                                        </p:tav>
+                                      </p:tavLst>
+                                    </p:anim>
+                                    <p:anim calcmode="lin" valueType="num">
+                                      <p:cBhvr>
+                                        <p:cTn id="9" dur="1000" fill="hold"/>
+                                        <p:tgtEl>
+                                          <p:spTgt spid="5"/>
+                                        </p:tgtEl>
+                                        <p:attrNameLst>
+                                          <p:attrName>ppt_y</p:attrName>
+                                        </p:attrNameLst>
+                                      </p:cBhvr>
+                                      <p:tavLst>
+                                        <p:tav tm="0">
+                                          <p:val>
+                                            <p:strVal val="#ppt_y+.1"/>
+                                          </p:val>
+                                        </p:tav>
+                                        <p:tav tm="100000">
+                                          <p:val>
+                                            <p:strVal val="#ppt_y"/>
+                                          </p:val>
+                                        </p:tav>
+                                      </p:tavLst>
+                                    </p:anim>
+                                  </p:childTnLst>
+                                </p:cTn>
+                              </p:par>
+                            </p:childTnLst>
+                          </p:cTn>
+                        </p:par>
+                      </p:childTnLst>
+                    </p:cTn>
+                  </p:par>
+                  <p:par>
+                    <p:cTn id="10" fill="hold">
+                      <p:stCondLst>
+                        <p:cond delay="indefinite"/>
+                      </p:stCondLst>
+                      <p:childTnLst>
+                        <p:par>
+                          <p:cTn id="11" fill="hold">
+                            <p:stCondLst>
+                              <p:cond delay="0"/>
+                            </p:stCondLst>
+                            <p:childTnLst>
+                              <p:par>
+                                <p:cTn id="12" presetID="42" presetClass="entr" presetSubtype="0" fill="hold" nodeType="clickEffect">
+                                  <p:stCondLst>
+                                    <p:cond delay="0"/>
+                                  </p:stCondLst>
+                                  <p:childTnLst>
+                                    <p:set>
+                                      <p:cBhvr>
+                                        <p:cTn id="13" dur="1" fill="hold">
+                                          <p:stCondLst>
+                                            <p:cond delay="0"/>
+                                          </p:stCondLst>
+                                        </p:cTn>
+                                        <p:tgtEl>
+                                          <p:spTgt spid="7"/>
+                                        </p:tgtEl>
+                                        <p:attrNameLst>
+                                          <p:attrName>style.visibility</p:attrName>
+                                        </p:attrNameLst>
+                                      </p:cBhvr>
+                                      <p:to>
+                                        <p:strVal val="visible"/>
+                                      </p:to>
+                                    </p:set>
+                                    <p:animEffect transition="in" filter="fade">
+                                      <p:cBhvr>
+                                        <p:cTn id="14" dur="1000"/>
+                                        <p:tgtEl>
+                                          <p:spTgt spid="7"/>
+                                        </p:tgtEl>
+                                      </p:cBhvr>
+                                    </p:animEffect>
+                                    <p:anim calcmode="lin" valueType="num">
+                                      <p:cBhvr>
+                                        <p:cTn id="15" dur="1000" fill="hold"/>
+                                        <p:tgtEl>
+                                          <p:spTgt spid="7"/>
+                                        </p:tgtEl>
+                                        <p:attrNameLst>
+                                          <p:attrName>ppt_x</p:attrName>
+                                        </p:attrNameLst>
+                                      </p:cBhvr>
+                                      <p:tavLst>
+                                        <p:tav tm="0">
+                                          <p:val>
+                                            <p:strVal val="#ppt_x"/>
+                                          </p:val>
+                                        </p:tav>
+                                        <p:tav tm="100000">
+                                          <p:val>
+                                            <p:strVal val="#ppt_x"/>
+                                          </p:val>
+                                        </p:tav>
+                                      </p:tavLst>
+                                    </p:anim>
+                                    <p:anim calcmode="lin" valueType="num">
+                                      <p:cBhvr>
+                                        <p:cTn id="16" dur="1000" fill="hold"/>
+                                        <p:tgtEl>
+                                          <p:spTgt spid="7"/>
+                                        </p:tgtEl>
+                                        <p:attrNameLst>
+                                          <p:attrName>ppt_y</p:attrName>
+                                        </p:attrNameLst>
+                                      </p:cBhvr>
+                                      <p:tavLst>
+                                        <p:tav tm="0">
+                                          <p:val>
+                                            <p:strVal val="#ppt_y+.1"/>
+                                          </p:val>
+                                        </p:tav>
+                                        <p:tav tm="100000">
+                                          <p:val>
+                                            <p:strVal val="#ppt_y"/>
+                                          </p:val>
+                                        </p:tav>
+                                      </p:tavLst>
+                                    </p:anim>
+                                  </p:childTnLst>
+                                </p:cTn>
+                              </p:par>
+                            </p:childTnLst>
+                          </p:cTn>
+                        </p:par>
+                      </p:childTnLst>
+                    </p:cTn>
+                  </p:par>
+                  <p:par>
+                    <p:cTn id="17" fill="hold">
+                      <p:stCondLst>
+                        <p:cond delay="indefinite"/>
+                      </p:stCondLst>
+                      <p:childTnLst>
+                        <p:par>
+                          <p:cTn id="18" fill="hold">
+                            <p:stCondLst>
+                              <p:cond delay="0"/>
+                            </p:stCondLst>
+                            <p:childTnLst>
+                              <p:par>
+                                <p:cTn id="19" presetID="42" presetClass="entr" presetSubtype="0" fill="hold" nodeType="clickEffect">
+                                  <p:stCondLst>
+                                    <p:cond delay="0"/>
+                                  </p:stCondLst>
+                                  <p:childTnLst>
+                                    <p:set>
+                                      <p:cBhvr>
+                                        <p:cTn id="20" dur="1" fill="hold">
+                                          <p:stCondLst>
+                                            <p:cond delay="0"/>
+                                          </p:stCondLst>
+                                        </p:cTn>
+                                        <p:tgtEl>
+                                          <p:spTgt spid="9"/>
+                                        </p:tgtEl>
+                                        <p:attrNameLst>
+                                          <p:attrName>style.visibility</p:attrName>
+                                        </p:attrNameLst>
+                                      </p:cBhvr>
+                                      <p:to>
+                                        <p:strVal val="visible"/>
+                                      </p:to>
+                                    </p:set>
+                                    <p:animEffect transition="in" filter="fade">
+                                      <p:cBhvr>
+                                        <p:cTn id="21" dur="1000"/>
+                                        <p:tgtEl>
+                                          <p:spTgt spid="9"/>
+                                        </p:tgtEl>
+                                      </p:cBhvr>
+                                    </p:animEffect>
+                                    <p:anim calcmode="lin" valueType="num">
+                                      <p:cBhvr>
+                                        <p:cTn id="22" dur="1000" fill="hold"/>
+                                        <p:tgtEl>
+                                          <p:spTgt spid="9"/>
+                                        </p:tgtEl>
+                                        <p:attrNameLst>
+                                          <p:attrName>ppt_x</p:attrName>
+                                        </p:attrNameLst>
+                                      </p:cBhvr>
+                                      <p:tavLst>
+                                        <p:tav tm="0">
+                                          <p:val>
+                                            <p:strVal val="#ppt_x"/>
+                                          </p:val>
+                                        </p:tav>
+                                        <p:tav tm="100000">
+                                          <p:val>
+                                            <p:strVal val="#ppt_x"/>
+                                          </p:val>
+                                        </p:tav>
+                                      </p:tavLst>
+                                    </p:anim>
+                                    <p:anim calcmode="lin" valueType="num">
+                                      <p:cBhvr>
+                                        <p:cTn id="23" dur="1000" fill="hold"/>
+                                        <p:tgtEl>
+                                          <p:spTgt spid="9"/>
+                                        </p:tgtEl>
+                                        <p:attrNameLst>
+                                          <p:attrName>ppt_y</p:attrName>
+                                        </p:attrNameLst>
+                                      </p:cBhvr>
+                                      <p:tavLst>
+                                        <p:tav tm="0">
+                                          <p:val>
+                                            <p:strVal val="#ppt_y+.1"/>
+                                          </p:val>
+                                        </p:tav>
+                                        <p:tav tm="100000">
+                                          <p:val>
+                                            <p:strVal val="#ppt_y"/>
+                                          </p:val>
+                                        </p:tav>
+                                      </p:tavLst>
+                                    </p:anim>
+                                  </p:childTnLst>
+                                </p:cTn>
+                              </p:par>
+                            </p:childTnLst>
+                          </p:cTn>
+                        </p:par>
+                      </p:childTnLst>
+                    </p:cTn>
+                  </p:par>
+                </p:childTnLst>
+              </p:cTn>
+              <p:prevCondLst>
+                <p:cond evt="onPrev" delay="0">
+                  <p:tgtEl>
+                    <p:sldTgt/>
+                  </p:tgtEl>
+                </p:cond>
+              </p:prevCondLst>
+              <p:nextCondLst>
+                <p:cond evt="onNext" delay="0">
+                  <p:tgtEl>
+                    <p:sldTgt/>
+                  </p:tgtEl>
+                </p:cond>
+              </p:nextCondLst>
+            </p:seq>
+          </p:childTnLst>
+        </p:cTn>
+      </p:par>
+    </p:tnLst>
+  </p:timing>
 </p:sld>
 </file>
 
@@ -6162,40 +6526,39 @@
           </a:p>
         </p:txBody>
       </p:sp>
-      <p:sp>
-        <p:nvSpPr>
-          <p:cNvPr id="3" name="内容占位符 2">
+      <p:pic>
+        <p:nvPicPr>
+          <p:cNvPr id="7" name="内容占位符 6">
             <a:extLst>
               <a:ext uri="{FF2B5EF4-FFF2-40B4-BE49-F238E27FC236}">
-                <a16:creationId xmlns:a16="http://schemas.microsoft.com/office/drawing/2014/main" id="{05F8FF89-15B7-440A-B399-78977FBA0C5C}"/>
+                <a16:creationId xmlns:a16="http://schemas.microsoft.com/office/drawing/2014/main" id="{11C808EF-F7C2-40B6-B155-5E5B36FCD805}"/>
               </a:ext>
             </a:extLst>
           </p:cNvPr>
-          <p:cNvSpPr>
-            <a:spLocks noGrp="1"/>
-          </p:cNvSpPr>
+          <p:cNvPicPr>
+            <a:picLocks noGrp="1" noChangeAspect="1"/>
+          </p:cNvPicPr>
           <p:nvPr>
             <p:ph idx="1"/>
           </p:nvPr>
-        </p:nvSpPr>
+        </p:nvPicPr>
+        <p:blipFill>
+          <a:blip r:embed="rId2"/>
+          <a:stretch>
+            <a:fillRect/>
+          </a:stretch>
+        </p:blipFill>
         <p:spPr>
           <a:xfrm>
-            <a:off x="677334" y="1285875"/>
-            <a:ext cx="8596668" cy="4755487"/>
+            <a:off x="2198118" y="1951275"/>
+            <a:ext cx="3897882" cy="3344992"/>
           </a:xfrm>
         </p:spPr>
-        <p:txBody>
-          <a:bodyPr/>
-          <a:lstStyle/>
-          <a:p>
-            <a:endParaRPr lang="zh-CN" altLang="en-US" dirty="0"/>
-          </a:p>
-        </p:txBody>
-      </p:sp>
+      </p:pic>
     </p:spTree>
     <p:extLst>
       <p:ext uri="{BB962C8B-B14F-4D97-AF65-F5344CB8AC3E}">
-        <p14:creationId xmlns:p14="http://schemas.microsoft.com/office/powerpoint/2010/main" val="1608023075"/>
+        <p14:creationId xmlns:p14="http://schemas.microsoft.com/office/powerpoint/2010/main" val="612108003"/>
       </p:ext>
     </p:extLst>
   </p:cSld>
@@ -6290,40 +6653,45 @@
           </a:p>
         </p:txBody>
       </p:sp>
-      <p:sp>
-        <p:nvSpPr>
-          <p:cNvPr id="3" name="内容占位符 2">
+      <p:pic>
+        <p:nvPicPr>
+          <p:cNvPr id="5" name="内容占位符 4">
             <a:extLst>
               <a:ext uri="{FF2B5EF4-FFF2-40B4-BE49-F238E27FC236}">
-                <a16:creationId xmlns:a16="http://schemas.microsoft.com/office/drawing/2014/main" id="{05F8FF89-15B7-440A-B399-78977FBA0C5C}"/>
+                <a16:creationId xmlns:a16="http://schemas.microsoft.com/office/drawing/2014/main" id="{03EC74EB-F5B5-4959-9579-3559AF5F0DB9}"/>
               </a:ext>
             </a:extLst>
           </p:cNvPr>
-          <p:cNvSpPr>
-            <a:spLocks noGrp="1"/>
-          </p:cNvSpPr>
+          <p:cNvPicPr>
+            <a:picLocks noGrp="1" noChangeAspect="1"/>
+          </p:cNvPicPr>
           <p:nvPr>
             <p:ph idx="1"/>
           </p:nvPr>
-        </p:nvSpPr>
+        </p:nvPicPr>
+        <p:blipFill>
+          <a:blip r:embed="rId2">
+            <a:extLst>
+              <a:ext uri="{28A0092B-C50C-407E-A947-70E740481C1C}">
+                <a14:useLocalDpi xmlns:a14="http://schemas.microsoft.com/office/drawing/2010/main" val="0"/>
+              </a:ext>
+            </a:extLst>
+          </a:blip>
+          <a:stretch>
+            <a:fillRect/>
+          </a:stretch>
+        </p:blipFill>
         <p:spPr>
           <a:xfrm>
-            <a:off x="677334" y="1285875"/>
-            <a:ext cx="8596668" cy="4755487"/>
+            <a:off x="0" y="1571625"/>
+            <a:ext cx="12177756" cy="5286375"/>
           </a:xfrm>
         </p:spPr>
-        <p:txBody>
-          <a:bodyPr/>
-          <a:lstStyle/>
-          <a:p>
-            <a:endParaRPr lang="zh-CN" altLang="en-US" dirty="0"/>
-          </a:p>
-        </p:txBody>
-      </p:sp>
+      </p:pic>
     </p:spTree>
     <p:extLst>
       <p:ext uri="{BB962C8B-B14F-4D97-AF65-F5344CB8AC3E}">
-        <p14:creationId xmlns:p14="http://schemas.microsoft.com/office/powerpoint/2010/main" val="612108003"/>
+        <p14:creationId xmlns:p14="http://schemas.microsoft.com/office/powerpoint/2010/main" val="1608023075"/>
       </p:ext>
     </p:extLst>
   </p:cSld>
@@ -6418,36 +6786,239 @@
           </a:p>
         </p:txBody>
       </p:sp>
-      <p:sp>
-        <p:nvSpPr>
-          <p:cNvPr id="3" name="内容占位符 2">
+      <p:pic>
+        <p:nvPicPr>
+          <p:cNvPr id="13" name="内容占位符 12">
             <a:extLst>
               <a:ext uri="{FF2B5EF4-FFF2-40B4-BE49-F238E27FC236}">
-                <a16:creationId xmlns:a16="http://schemas.microsoft.com/office/drawing/2014/main" id="{05F8FF89-15B7-440A-B399-78977FBA0C5C}"/>
+                <a16:creationId xmlns:a16="http://schemas.microsoft.com/office/drawing/2014/main" id="{79A10662-7664-4556-BA94-074ABEC01BD2}"/>
               </a:ext>
             </a:extLst>
           </p:cNvPr>
-          <p:cNvSpPr>
-            <a:spLocks noGrp="1"/>
-          </p:cNvSpPr>
+          <p:cNvPicPr>
+            <a:picLocks noGrp="1" noChangeAspect="1"/>
+          </p:cNvPicPr>
           <p:nvPr>
             <p:ph idx="1"/>
           </p:nvPr>
-        </p:nvSpPr>
+        </p:nvPicPr>
+        <p:blipFill>
+          <a:blip r:embed="rId2">
+            <a:extLst>
+              <a:ext uri="{28A0092B-C50C-407E-A947-70E740481C1C}">
+                <a14:useLocalDpi xmlns:a14="http://schemas.microsoft.com/office/drawing/2010/main" val="0"/>
+              </a:ext>
+            </a:extLst>
+          </a:blip>
+          <a:stretch>
+            <a:fillRect/>
+          </a:stretch>
+        </p:blipFill>
         <p:spPr>
           <a:xfrm>
-            <a:off x="677334" y="1285875"/>
-            <a:ext cx="8596668" cy="4755487"/>
+            <a:off x="986814" y="1973454"/>
+            <a:ext cx="3101609" cy="1455546"/>
           </a:xfrm>
         </p:spPr>
-        <p:txBody>
-          <a:bodyPr/>
-          <a:lstStyle/>
-          <a:p>
-            <a:endParaRPr lang="zh-CN" altLang="en-US" dirty="0"/>
-          </a:p>
-        </p:txBody>
-      </p:sp>
+      </p:pic>
+      <p:pic>
+        <p:nvPicPr>
+          <p:cNvPr id="15" name="图片 14">
+            <a:extLst>
+              <a:ext uri="{FF2B5EF4-FFF2-40B4-BE49-F238E27FC236}">
+                <a16:creationId xmlns:a16="http://schemas.microsoft.com/office/drawing/2014/main" id="{5F160FB8-4784-4BFD-B6FC-1FC0754D9701}"/>
+              </a:ext>
+            </a:extLst>
+          </p:cNvPr>
+          <p:cNvPicPr>
+            <a:picLocks noChangeAspect="1"/>
+          </p:cNvPicPr>
+          <p:nvPr/>
+        </p:nvPicPr>
+        <p:blipFill>
+          <a:blip r:embed="rId3">
+            <a:extLst>
+              <a:ext uri="{28A0092B-C50C-407E-A947-70E740481C1C}">
+                <a14:useLocalDpi xmlns:a14="http://schemas.microsoft.com/office/drawing/2010/main" val="0"/>
+              </a:ext>
+            </a:extLst>
+          </a:blip>
+          <a:stretch>
+            <a:fillRect/>
+          </a:stretch>
+        </p:blipFill>
+        <p:spPr>
+          <a:xfrm>
+            <a:off x="4678545" y="1973454"/>
+            <a:ext cx="3101609" cy="1455546"/>
+          </a:xfrm>
+          <a:prstGeom prst="rect">
+            <a:avLst/>
+          </a:prstGeom>
+        </p:spPr>
+      </p:pic>
+      <p:pic>
+        <p:nvPicPr>
+          <p:cNvPr id="17" name="图片 16">
+            <a:extLst>
+              <a:ext uri="{FF2B5EF4-FFF2-40B4-BE49-F238E27FC236}">
+                <a16:creationId xmlns:a16="http://schemas.microsoft.com/office/drawing/2014/main" id="{22CD1474-7ED6-479B-A2EB-9D2E5D1F80F2}"/>
+              </a:ext>
+            </a:extLst>
+          </p:cNvPr>
+          <p:cNvPicPr>
+            <a:picLocks noChangeAspect="1"/>
+          </p:cNvPicPr>
+          <p:nvPr/>
+        </p:nvPicPr>
+        <p:blipFill>
+          <a:blip r:embed="rId4">
+            <a:extLst>
+              <a:ext uri="{28A0092B-C50C-407E-A947-70E740481C1C}">
+                <a14:useLocalDpi xmlns:a14="http://schemas.microsoft.com/office/drawing/2010/main" val="0"/>
+              </a:ext>
+            </a:extLst>
+          </a:blip>
+          <a:stretch>
+            <a:fillRect/>
+          </a:stretch>
+        </p:blipFill>
+        <p:spPr>
+          <a:xfrm>
+            <a:off x="4678545" y="4116579"/>
+            <a:ext cx="3093988" cy="1455546"/>
+          </a:xfrm>
+          <a:prstGeom prst="rect">
+            <a:avLst/>
+          </a:prstGeom>
+        </p:spPr>
+      </p:pic>
+      <p:pic>
+        <p:nvPicPr>
+          <p:cNvPr id="19" name="图片 18">
+            <a:extLst>
+              <a:ext uri="{FF2B5EF4-FFF2-40B4-BE49-F238E27FC236}">
+                <a16:creationId xmlns:a16="http://schemas.microsoft.com/office/drawing/2014/main" id="{DD426209-4C4C-4CE3-94F0-124F4E2A023D}"/>
+              </a:ext>
+            </a:extLst>
+          </p:cNvPr>
+          <p:cNvPicPr>
+            <a:picLocks noChangeAspect="1"/>
+          </p:cNvPicPr>
+          <p:nvPr/>
+        </p:nvPicPr>
+        <p:blipFill>
+          <a:blip r:embed="rId5">
+            <a:extLst>
+              <a:ext uri="{28A0092B-C50C-407E-A947-70E740481C1C}">
+                <a14:useLocalDpi xmlns:a14="http://schemas.microsoft.com/office/drawing/2010/main" val="0"/>
+              </a:ext>
+            </a:extLst>
+          </a:blip>
+          <a:stretch>
+            <a:fillRect/>
+          </a:stretch>
+        </p:blipFill>
+        <p:spPr>
+          <a:xfrm>
+            <a:off x="986814" y="4116579"/>
+            <a:ext cx="3093988" cy="1455546"/>
+          </a:xfrm>
+          <a:prstGeom prst="rect">
+            <a:avLst/>
+          </a:prstGeom>
+        </p:spPr>
+      </p:pic>
+      <p:pic>
+        <p:nvPicPr>
+          <p:cNvPr id="21" name="图片 20">
+            <a:extLst>
+              <a:ext uri="{FF2B5EF4-FFF2-40B4-BE49-F238E27FC236}">
+                <a16:creationId xmlns:a16="http://schemas.microsoft.com/office/drawing/2014/main" id="{634FD3A7-5EC3-4791-96B1-9844D1BC23E9}"/>
+              </a:ext>
+            </a:extLst>
+          </p:cNvPr>
+          <p:cNvPicPr>
+            <a:picLocks noChangeAspect="1"/>
+          </p:cNvPicPr>
+          <p:nvPr/>
+        </p:nvPicPr>
+        <p:blipFill>
+          <a:blip r:embed="rId6"/>
+          <a:stretch>
+            <a:fillRect/>
+          </a:stretch>
+        </p:blipFill>
+        <p:spPr>
+          <a:xfrm>
+            <a:off x="956331" y="6092049"/>
+            <a:ext cx="3124471" cy="335309"/>
+          </a:xfrm>
+          <a:prstGeom prst="rect">
+            <a:avLst/>
+          </a:prstGeom>
+        </p:spPr>
+      </p:pic>
+      <p:pic>
+        <p:nvPicPr>
+          <p:cNvPr id="23" name="图片 22">
+            <a:extLst>
+              <a:ext uri="{FF2B5EF4-FFF2-40B4-BE49-F238E27FC236}">
+                <a16:creationId xmlns:a16="http://schemas.microsoft.com/office/drawing/2014/main" id="{7A50D78E-D226-4047-B3F4-2BD95D10A9DD}"/>
+              </a:ext>
+            </a:extLst>
+          </p:cNvPr>
+          <p:cNvPicPr>
+            <a:picLocks noChangeAspect="1"/>
+          </p:cNvPicPr>
+          <p:nvPr/>
+        </p:nvPicPr>
+        <p:blipFill>
+          <a:blip r:embed="rId7"/>
+          <a:stretch>
+            <a:fillRect/>
+          </a:stretch>
+        </p:blipFill>
+        <p:spPr>
+          <a:xfrm>
+            <a:off x="4221332" y="6036799"/>
+            <a:ext cx="3406435" cy="426757"/>
+          </a:xfrm>
+          <a:prstGeom prst="rect">
+            <a:avLst/>
+          </a:prstGeom>
+        </p:spPr>
+      </p:pic>
+      <p:pic>
+        <p:nvPicPr>
+          <p:cNvPr id="25" name="图片 24">
+            <a:extLst>
+              <a:ext uri="{FF2B5EF4-FFF2-40B4-BE49-F238E27FC236}">
+                <a16:creationId xmlns:a16="http://schemas.microsoft.com/office/drawing/2014/main" id="{8B4F4C5C-2839-4DCE-BBE6-83B105031A2D}"/>
+              </a:ext>
+            </a:extLst>
+          </p:cNvPr>
+          <p:cNvPicPr>
+            <a:picLocks noChangeAspect="1"/>
+          </p:cNvPicPr>
+          <p:nvPr/>
+        </p:nvPicPr>
+        <p:blipFill>
+          <a:blip r:embed="rId8"/>
+          <a:stretch>
+            <a:fillRect/>
+          </a:stretch>
+        </p:blipFill>
+        <p:spPr>
+          <a:xfrm>
+            <a:off x="7768297" y="6090144"/>
+            <a:ext cx="1859441" cy="373412"/>
+          </a:xfrm>
+          <a:prstGeom prst="rect">
+            <a:avLst/>
+          </a:prstGeom>
+        </p:spPr>
+      </p:pic>
     </p:spTree>
     <p:extLst>
       <p:ext uri="{BB962C8B-B14F-4D97-AF65-F5344CB8AC3E}">
@@ -6458,6 +7029,9 @@
   <p:clrMapOvr>
     <a:masterClrMapping/>
   </p:clrMapOvr>
+  <p:transition spd="slow">
+    <p:push dir="u"/>
+  </p:transition>
 </p:sld>
 </file>
 

--- a/项目答辩/项目答辩.pptx
+++ b/项目答辩/项目答辩.pptx
@@ -861,7 +861,7 @@
           <a:p>
             <a:fld id="{D3CD2C35-DB9B-4C14-89E5-0ACF2F7A9BBD}" type="datetimeFigureOut">
               <a:rPr lang="zh-CN" altLang="en-US" smtClean="0"/>
-              <a:t>2021/12/25</a:t>
+              <a:t>2021/12/26</a:t>
             </a:fld>
             <a:endParaRPr lang="zh-CN" altLang="en-US"/>
           </a:p>
@@ -1112,7 +1112,7 @@
           <a:p>
             <a:fld id="{D3CD2C35-DB9B-4C14-89E5-0ACF2F7A9BBD}" type="datetimeFigureOut">
               <a:rPr lang="zh-CN" altLang="en-US" smtClean="0"/>
-              <a:t>2021/12/25</a:t>
+              <a:t>2021/12/26</a:t>
             </a:fld>
             <a:endParaRPr lang="zh-CN" altLang="en-US"/>
           </a:p>
@@ -1426,7 +1426,7 @@
           <a:p>
             <a:fld id="{D3CD2C35-DB9B-4C14-89E5-0ACF2F7A9BBD}" type="datetimeFigureOut">
               <a:rPr lang="zh-CN" altLang="en-US" smtClean="0"/>
-              <a:t>2021/12/25</a:t>
+              <a:t>2021/12/26</a:t>
             </a:fld>
             <a:endParaRPr lang="zh-CN" altLang="en-US"/>
           </a:p>
@@ -1759,7 +1759,7 @@
           <a:p>
             <a:fld id="{D3CD2C35-DB9B-4C14-89E5-0ACF2F7A9BBD}" type="datetimeFigureOut">
               <a:rPr lang="zh-CN" altLang="en-US" smtClean="0"/>
-              <a:t>2021/12/25</a:t>
+              <a:t>2021/12/26</a:t>
             </a:fld>
             <a:endParaRPr lang="zh-CN" altLang="en-US"/>
           </a:p>
@@ -2073,7 +2073,7 @@
           <a:p>
             <a:fld id="{D3CD2C35-DB9B-4C14-89E5-0ACF2F7A9BBD}" type="datetimeFigureOut">
               <a:rPr lang="zh-CN" altLang="en-US" smtClean="0"/>
-              <a:t>2021/12/25</a:t>
+              <a:t>2021/12/26</a:t>
             </a:fld>
             <a:endParaRPr lang="zh-CN" altLang="en-US"/>
           </a:p>
@@ -2466,7 +2466,7 @@
           <a:p>
             <a:fld id="{D3CD2C35-DB9B-4C14-89E5-0ACF2F7A9BBD}" type="datetimeFigureOut">
               <a:rPr lang="zh-CN" altLang="en-US" smtClean="0"/>
-              <a:t>2021/12/25</a:t>
+              <a:t>2021/12/26</a:t>
             </a:fld>
             <a:endParaRPr lang="zh-CN" altLang="en-US"/>
           </a:p>
@@ -2636,7 +2636,7 @@
           <a:p>
             <a:fld id="{D3CD2C35-DB9B-4C14-89E5-0ACF2F7A9BBD}" type="datetimeFigureOut">
               <a:rPr lang="zh-CN" altLang="en-US" smtClean="0"/>
-              <a:t>2021/12/25</a:t>
+              <a:t>2021/12/26</a:t>
             </a:fld>
             <a:endParaRPr lang="zh-CN" altLang="en-US"/>
           </a:p>
@@ -2816,7 +2816,7 @@
           <a:p>
             <a:fld id="{D3CD2C35-DB9B-4C14-89E5-0ACF2F7A9BBD}" type="datetimeFigureOut">
               <a:rPr lang="zh-CN" altLang="en-US" smtClean="0"/>
-              <a:t>2021/12/25</a:t>
+              <a:t>2021/12/26</a:t>
             </a:fld>
             <a:endParaRPr lang="zh-CN" altLang="en-US"/>
           </a:p>
@@ -2986,7 +2986,7 @@
           <a:p>
             <a:fld id="{D3CD2C35-DB9B-4C14-89E5-0ACF2F7A9BBD}" type="datetimeFigureOut">
               <a:rPr lang="zh-CN" altLang="en-US" smtClean="0"/>
-              <a:t>2021/12/25</a:t>
+              <a:t>2021/12/26</a:t>
             </a:fld>
             <a:endParaRPr lang="zh-CN" altLang="en-US"/>
           </a:p>
@@ -3233,7 +3233,7 @@
           <a:p>
             <a:fld id="{D3CD2C35-DB9B-4C14-89E5-0ACF2F7A9BBD}" type="datetimeFigureOut">
               <a:rPr lang="zh-CN" altLang="en-US" smtClean="0"/>
-              <a:t>2021/12/25</a:t>
+              <a:t>2021/12/26</a:t>
             </a:fld>
             <a:endParaRPr lang="zh-CN" altLang="en-US"/>
           </a:p>
@@ -3465,7 +3465,7 @@
           <a:p>
             <a:fld id="{D3CD2C35-DB9B-4C14-89E5-0ACF2F7A9BBD}" type="datetimeFigureOut">
               <a:rPr lang="zh-CN" altLang="en-US" smtClean="0"/>
-              <a:t>2021/12/25</a:t>
+              <a:t>2021/12/26</a:t>
             </a:fld>
             <a:endParaRPr lang="zh-CN" altLang="en-US"/>
           </a:p>
@@ -3839,7 +3839,7 @@
           <a:p>
             <a:fld id="{D3CD2C35-DB9B-4C14-89E5-0ACF2F7A9BBD}" type="datetimeFigureOut">
               <a:rPr lang="zh-CN" altLang="en-US" smtClean="0"/>
-              <a:t>2021/12/25</a:t>
+              <a:t>2021/12/26</a:t>
             </a:fld>
             <a:endParaRPr lang="zh-CN" altLang="en-US"/>
           </a:p>
@@ -3962,7 +3962,7 @@
           <a:p>
             <a:fld id="{D3CD2C35-DB9B-4C14-89E5-0ACF2F7A9BBD}" type="datetimeFigureOut">
               <a:rPr lang="zh-CN" altLang="en-US" smtClean="0"/>
-              <a:t>2021/12/25</a:t>
+              <a:t>2021/12/26</a:t>
             </a:fld>
             <a:endParaRPr lang="zh-CN" altLang="en-US"/>
           </a:p>
@@ -4057,7 +4057,7 @@
           <a:p>
             <a:fld id="{D3CD2C35-DB9B-4C14-89E5-0ACF2F7A9BBD}" type="datetimeFigureOut">
               <a:rPr lang="zh-CN" altLang="en-US" smtClean="0"/>
-              <a:t>2021/12/25</a:t>
+              <a:t>2021/12/26</a:t>
             </a:fld>
             <a:endParaRPr lang="zh-CN" altLang="en-US"/>
           </a:p>
@@ -4312,7 +4312,7 @@
           <a:p>
             <a:fld id="{D3CD2C35-DB9B-4C14-89E5-0ACF2F7A9BBD}" type="datetimeFigureOut">
               <a:rPr lang="zh-CN" altLang="en-US" smtClean="0"/>
-              <a:t>2021/12/25</a:t>
+              <a:t>2021/12/26</a:t>
             </a:fld>
             <a:endParaRPr lang="zh-CN" altLang="en-US"/>
           </a:p>
@@ -4617,7 +4617,7 @@
           <a:p>
             <a:fld id="{D3CD2C35-DB9B-4C14-89E5-0ACF2F7A9BBD}" type="datetimeFigureOut">
               <a:rPr lang="zh-CN" altLang="en-US" smtClean="0"/>
-              <a:t>2021/12/25</a:t>
+              <a:t>2021/12/26</a:t>
             </a:fld>
             <a:endParaRPr lang="zh-CN" altLang="en-US"/>
           </a:p>
@@ -5319,7 +5319,7 @@
           <a:p>
             <a:fld id="{D3CD2C35-DB9B-4C14-89E5-0ACF2F7A9BBD}" type="datetimeFigureOut">
               <a:rPr lang="zh-CN" altLang="en-US" smtClean="0"/>
-              <a:t>2021/12/25</a:t>
+              <a:t>2021/12/26</a:t>
             </a:fld>
             <a:endParaRPr lang="zh-CN" altLang="en-US"/>
           </a:p>
@@ -6931,10 +6931,10 @@
       </p:pic>
       <p:pic>
         <p:nvPicPr>
-          <p:cNvPr id="21" name="图片 20">
+          <p:cNvPr id="4" name="图片 3">
             <a:extLst>
               <a:ext uri="{FF2B5EF4-FFF2-40B4-BE49-F238E27FC236}">
-                <a16:creationId xmlns:a16="http://schemas.microsoft.com/office/drawing/2014/main" id="{634FD3A7-5EC3-4791-96B1-9844D1BC23E9}"/>
+                <a16:creationId xmlns:a16="http://schemas.microsoft.com/office/drawing/2014/main" id="{15AB4045-BBCF-4034-8FFA-6E6287AABEAA}"/>
               </a:ext>
             </a:extLst>
           </p:cNvPr>
@@ -6951,8 +6951,8 @@
         </p:blipFill>
         <p:spPr>
           <a:xfrm>
-            <a:off x="956331" y="6092049"/>
-            <a:ext cx="3124471" cy="335309"/>
+            <a:off x="8823668" y="2154429"/>
+            <a:ext cx="3368332" cy="784928"/>
           </a:xfrm>
           <a:prstGeom prst="rect">
             <a:avLst/>
@@ -6961,10 +6961,10 @@
       </p:pic>
       <p:pic>
         <p:nvPicPr>
-          <p:cNvPr id="23" name="图片 22">
+          <p:cNvPr id="6" name="图片 5">
             <a:extLst>
               <a:ext uri="{FF2B5EF4-FFF2-40B4-BE49-F238E27FC236}">
-                <a16:creationId xmlns:a16="http://schemas.microsoft.com/office/drawing/2014/main" id="{7A50D78E-D226-4047-B3F4-2BD95D10A9DD}"/>
+                <a16:creationId xmlns:a16="http://schemas.microsoft.com/office/drawing/2014/main" id="{E88EDF54-4111-415F-BD95-41E859071EB5}"/>
               </a:ext>
             </a:extLst>
           </p:cNvPr>
@@ -6981,8 +6981,8 @@
         </p:blipFill>
         <p:spPr>
           <a:xfrm>
-            <a:off x="4221332" y="6036799"/>
-            <a:ext cx="3406435" cy="426757"/>
+            <a:off x="8930357" y="3429000"/>
+            <a:ext cx="3154953" cy="792549"/>
           </a:xfrm>
           <a:prstGeom prst="rect">
             <a:avLst/>
@@ -6991,10 +6991,10 @@
       </p:pic>
       <p:pic>
         <p:nvPicPr>
-          <p:cNvPr id="25" name="图片 24">
+          <p:cNvPr id="8" name="图片 7">
             <a:extLst>
               <a:ext uri="{FF2B5EF4-FFF2-40B4-BE49-F238E27FC236}">
-                <a16:creationId xmlns:a16="http://schemas.microsoft.com/office/drawing/2014/main" id="{8B4F4C5C-2839-4DCE-BBE6-83B105031A2D}"/>
+                <a16:creationId xmlns:a16="http://schemas.microsoft.com/office/drawing/2014/main" id="{EBFA59EB-81BC-402C-97F2-F8165F086D4C}"/>
               </a:ext>
             </a:extLst>
           </p:cNvPr>
@@ -7011,8 +7011,8 @@
         </p:blipFill>
         <p:spPr>
           <a:xfrm>
-            <a:off x="7768297" y="6090144"/>
-            <a:ext cx="1859441" cy="373412"/>
+            <a:off x="8930357" y="4711192"/>
+            <a:ext cx="3162574" cy="739204"/>
           </a:xfrm>
           <a:prstGeom prst="rect">
             <a:avLst/>
